--- a/static/Keras-Number-OCR.pptx
+++ b/static/Keras-Number-OCR.pptx
@@ -6422,73 +6422,6 @@
       </p:cxnSp>
       <p:sp>
         <p:nvSpPr>
-          <p:cNvPr id="184" name="Google Shape;184;p16"/>
-          <p:cNvSpPr/>
-          <p:nvPr/>
-        </p:nvSpPr>
-        <p:spPr>
-          <a:xfrm>
-            <a:off x="5328262" y="811665"/>
-            <a:ext cx="1599900" cy="925653"/>
-          </a:xfrm>
-          <a:prstGeom prst="roundRect">
-            <a:avLst>
-              <a:gd name="adj" fmla="val 16667"/>
-            </a:avLst>
-          </a:prstGeom>
-          <a:solidFill>
-            <a:srgbClr val="56C49A"/>
-          </a:solidFill>
-          <a:ln w="76200" cap="flat" cmpd="sng">
-            <a:solidFill>
-              <a:srgbClr val="FFFFFF"/>
-            </a:solidFill>
-            <a:prstDash val="solid"/>
-            <a:round/>
-            <a:headEnd type="none" w="sm" len="sm"/>
-            <a:tailEnd type="none" w="sm" len="sm"/>
-          </a:ln>
-          <a:effectLst>
-            <a:outerShdw blurRad="214313" dist="47625" dir="5400000" algn="bl" rotWithShape="0">
-              <a:srgbClr val="56C49A">
-                <a:alpha val="50000"/>
-              </a:srgbClr>
-            </a:outerShdw>
-          </a:effectLst>
-        </p:spPr>
-        <p:txBody>
-          <a:bodyPr spcFirstLastPara="1" wrap="square" lIns="91425" tIns="91425" rIns="91425" bIns="91425" anchor="ctr" anchorCtr="0">
-            <a:noAutofit/>
-          </a:bodyPr>
-          <a:lstStyle/>
-          <a:p>
-            <a:pPr marL="0" lvl="0" indent="0" algn="ctr" rtl="0">
-              <a:spcBef>
-                <a:spcPts val="0"/>
-              </a:spcBef>
-              <a:spcAft>
-                <a:spcPts val="0"/>
-              </a:spcAft>
-              <a:buNone/>
-            </a:pPr>
-            <a:r>
-              <a:rPr lang="en-US" sz="1200" b="1" dirty="0">
-                <a:solidFill>
-                  <a:srgbClr val="FFFFFF"/>
-                </a:solidFill>
-              </a:rPr>
-              <a:t>HTML</a:t>
-            </a:r>
-            <a:endParaRPr sz="1200" b="1" dirty="0">
-              <a:solidFill>
-                <a:srgbClr val="FFFFFF"/>
-              </a:solidFill>
-            </a:endParaRPr>
-          </a:p>
-        </p:txBody>
-      </p:sp>
-      <p:sp>
-        <p:nvSpPr>
           <p:cNvPr id="63" name="Google Shape;207;p16">
             <a:extLst>
               <a:ext uri="{FF2B5EF4-FFF2-40B4-BE49-F238E27FC236}">
@@ -7190,6 +7123,227 @@
             <a:endParaRPr sz="1000" b="1" dirty="0">
               <a:solidFill>
                 <a:schemeClr val="tx1"/>
+              </a:solidFill>
+            </a:endParaRPr>
+          </a:p>
+        </p:txBody>
+      </p:sp>
+      <p:sp>
+        <p:nvSpPr>
+          <p:cNvPr id="34" name="Google Shape;207;p16">
+            <a:extLst>
+              <a:ext uri="{FF2B5EF4-FFF2-40B4-BE49-F238E27FC236}">
+                <a16:creationId xmlns:a16="http://schemas.microsoft.com/office/drawing/2014/main" id="{84852270-5D31-D240-8AE2-EBCB1A4B4DB8}"/>
+              </a:ext>
+            </a:extLst>
+          </p:cNvPr>
+          <p:cNvSpPr/>
+          <p:nvPr/>
+        </p:nvSpPr>
+        <p:spPr>
+          <a:xfrm>
+            <a:off x="7579485" y="1141883"/>
+            <a:ext cx="1089300" cy="207300"/>
+          </a:xfrm>
+          <a:prstGeom prst="rect">
+            <a:avLst/>
+          </a:prstGeom>
+          <a:solidFill>
+            <a:srgbClr val="FFFFFF"/>
+          </a:solidFill>
+          <a:ln w="9525" cap="flat" cmpd="sng">
+            <a:solidFill>
+              <a:schemeClr val="dk2"/>
+            </a:solidFill>
+            <a:prstDash val="dash"/>
+            <a:round/>
+            <a:headEnd type="none" w="sm" len="sm"/>
+            <a:tailEnd type="none" w="sm" len="sm"/>
+          </a:ln>
+        </p:spPr>
+        <p:txBody>
+          <a:bodyPr spcFirstLastPara="1" wrap="square" lIns="91425" tIns="91425" rIns="91425" bIns="91425" anchor="ctr" anchorCtr="0">
+            <a:noAutofit/>
+          </a:bodyPr>
+          <a:lstStyle/>
+          <a:p>
+            <a:pPr marL="0" lvl="0" indent="0" algn="ctr" rtl="0">
+              <a:spcBef>
+                <a:spcPts val="0"/>
+              </a:spcBef>
+              <a:spcAft>
+                <a:spcPts val="0"/>
+              </a:spcAft>
+              <a:buNone/>
+            </a:pPr>
+            <a:r>
+              <a:rPr lang="en" sz="1000" dirty="0"/>
+              <a:t>FABRICJS</a:t>
+            </a:r>
+            <a:endParaRPr sz="1000" dirty="0"/>
+          </a:p>
+        </p:txBody>
+      </p:sp>
+      <p:sp>
+        <p:nvSpPr>
+          <p:cNvPr id="41" name="Google Shape;207;p16">
+            <a:extLst>
+              <a:ext uri="{FF2B5EF4-FFF2-40B4-BE49-F238E27FC236}">
+                <a16:creationId xmlns:a16="http://schemas.microsoft.com/office/drawing/2014/main" id="{5A4B8292-E7C3-F248-A23F-036F340503C9}"/>
+              </a:ext>
+            </a:extLst>
+          </p:cNvPr>
+          <p:cNvSpPr/>
+          <p:nvPr/>
+        </p:nvSpPr>
+        <p:spPr>
+          <a:xfrm>
+            <a:off x="7579485" y="937915"/>
+            <a:ext cx="1089300" cy="207300"/>
+          </a:xfrm>
+          <a:prstGeom prst="rect">
+            <a:avLst/>
+          </a:prstGeom>
+          <a:solidFill>
+            <a:srgbClr val="F6C47C"/>
+          </a:solidFill>
+          <a:ln w="9525" cap="flat" cmpd="sng">
+            <a:solidFill>
+              <a:schemeClr val="dk2"/>
+            </a:solidFill>
+            <a:prstDash val="solid"/>
+            <a:round/>
+            <a:headEnd type="none" w="sm" len="sm"/>
+            <a:tailEnd type="none" w="sm" len="sm"/>
+          </a:ln>
+        </p:spPr>
+        <p:txBody>
+          <a:bodyPr spcFirstLastPara="1" wrap="square" lIns="91425" tIns="91425" rIns="91425" bIns="91425" anchor="ctr" anchorCtr="0">
+            <a:noAutofit/>
+          </a:bodyPr>
+          <a:lstStyle/>
+          <a:p>
+            <a:pPr marL="0" lvl="0" indent="0" algn="ctr" rtl="0">
+              <a:spcBef>
+                <a:spcPts val="0"/>
+              </a:spcBef>
+              <a:spcAft>
+                <a:spcPts val="0"/>
+              </a:spcAft>
+              <a:buNone/>
+            </a:pPr>
+            <a:r>
+              <a:rPr lang="en" sz="1000" b="1" dirty="0">
+                <a:solidFill>
+                  <a:schemeClr val="tx1"/>
+                </a:solidFill>
+              </a:rPr>
+              <a:t>LIBS</a:t>
+            </a:r>
+            <a:endParaRPr sz="1000" b="1" dirty="0">
+              <a:solidFill>
+                <a:schemeClr val="tx1"/>
+              </a:solidFill>
+            </a:endParaRPr>
+          </a:p>
+        </p:txBody>
+      </p:sp>
+      <p:cxnSp>
+        <p:nvCxnSpPr>
+          <p:cNvPr id="42" name="Google Shape;189;p16">
+            <a:extLst>
+              <a:ext uri="{FF2B5EF4-FFF2-40B4-BE49-F238E27FC236}">
+                <a16:creationId xmlns:a16="http://schemas.microsoft.com/office/drawing/2014/main" id="{8A1087AF-2D6B-7D47-8E16-0782086EA4F1}"/>
+              </a:ext>
+            </a:extLst>
+          </p:cNvPr>
+          <p:cNvCxnSpPr>
+            <a:cxnSpLocks/>
+          </p:cNvCxnSpPr>
+          <p:nvPr/>
+        </p:nvCxnSpPr>
+        <p:spPr>
+          <a:xfrm flipH="1">
+            <a:off x="6932120" y="1172537"/>
+            <a:ext cx="651323" cy="7470"/>
+          </a:xfrm>
+          <a:prstGeom prst="straightConnector1">
+            <a:avLst/>
+          </a:prstGeom>
+          <a:noFill/>
+          <a:ln w="9525" cap="flat" cmpd="sng">
+            <a:solidFill>
+              <a:schemeClr val="dk2"/>
+            </a:solidFill>
+            <a:prstDash val="solid"/>
+            <a:round/>
+            <a:headEnd type="triangle" w="med" len="med"/>
+            <a:tailEnd type="none" w="med" len="med"/>
+          </a:ln>
+        </p:spPr>
+      </p:cxnSp>
+      <p:sp>
+        <p:nvSpPr>
+          <p:cNvPr id="184" name="Google Shape;184;p16"/>
+          <p:cNvSpPr/>
+          <p:nvPr/>
+        </p:nvSpPr>
+        <p:spPr>
+          <a:xfrm>
+            <a:off x="5328262" y="811665"/>
+            <a:ext cx="1599900" cy="925653"/>
+          </a:xfrm>
+          <a:prstGeom prst="roundRect">
+            <a:avLst>
+              <a:gd name="adj" fmla="val 16667"/>
+            </a:avLst>
+          </a:prstGeom>
+          <a:solidFill>
+            <a:srgbClr val="56C49A"/>
+          </a:solidFill>
+          <a:ln w="76200" cap="flat" cmpd="sng">
+            <a:solidFill>
+              <a:srgbClr val="FFFFFF"/>
+            </a:solidFill>
+            <a:prstDash val="solid"/>
+            <a:round/>
+            <a:headEnd type="none" w="sm" len="sm"/>
+            <a:tailEnd type="none" w="sm" len="sm"/>
+          </a:ln>
+          <a:effectLst>
+            <a:outerShdw blurRad="214313" dist="47625" dir="5400000" algn="bl" rotWithShape="0">
+              <a:srgbClr val="56C49A">
+                <a:alpha val="50000"/>
+              </a:srgbClr>
+            </a:outerShdw>
+          </a:effectLst>
+        </p:spPr>
+        <p:txBody>
+          <a:bodyPr spcFirstLastPara="1" wrap="square" lIns="91425" tIns="91425" rIns="91425" bIns="91425" anchor="ctr" anchorCtr="0">
+            <a:noAutofit/>
+          </a:bodyPr>
+          <a:lstStyle/>
+          <a:p>
+            <a:pPr marL="0" lvl="0" indent="0" algn="ctr" rtl="0">
+              <a:spcBef>
+                <a:spcPts val="0"/>
+              </a:spcBef>
+              <a:spcAft>
+                <a:spcPts val="0"/>
+              </a:spcAft>
+              <a:buNone/>
+            </a:pPr>
+            <a:r>
+              <a:rPr lang="en-US" sz="1200" b="1" dirty="0">
+                <a:solidFill>
+                  <a:srgbClr val="FFFFFF"/>
+                </a:solidFill>
+              </a:rPr>
+              <a:t>HTML</a:t>
+            </a:r>
+            <a:endParaRPr sz="1200" b="1" dirty="0">
+              <a:solidFill>
+                <a:srgbClr val="FFFFFF"/>
               </a:solidFill>
             </a:endParaRPr>
           </a:p>
